--- a/lab 8/lab8.pptx
+++ b/lab 8/lab8.pptx
@@ -5,7 +5,7 @@
     <p:sldMasterId id="2147483648" r:id="rId4"/>
   </p:sldMasterIdLst>
   <p:notesMasterIdLst>
-    <p:notesMasterId r:id="rId13"/>
+    <p:notesMasterId r:id="rId14"/>
   </p:notesMasterIdLst>
   <p:sldIdLst>
     <p:sldId id="262" r:id="rId5"/>
@@ -15,7 +15,8 @@
     <p:sldId id="279" r:id="rId9"/>
     <p:sldId id="274" r:id="rId10"/>
     <p:sldId id="275" r:id="rId11"/>
-    <p:sldId id="277" r:id="rId12"/>
+    <p:sldId id="280" r:id="rId12"/>
+    <p:sldId id="277" r:id="rId13"/>
   </p:sldIdLst>
   <p:sldSz cx="9144000" cy="6858000" type="screen4x3"/>
   <p:notesSz cx="6858000" cy="9144000"/>
@@ -4321,7 +4322,7 @@
         <p:spPr>
           <a:xfrm>
             <a:off x="685800" y="2362200"/>
-            <a:ext cx="7086600" cy="3416320"/>
+            <a:ext cx="7086600" cy="3785652"/>
           </a:xfrm>
           <a:prstGeom prst="rect">
             <a:avLst/>
@@ -4369,8 +4370,19 @@
               <a:buChar char="•"/>
             </a:pPr>
             <a:r>
+              <a:rPr lang="en-US" dirty="0" err="1"/>
+              <a:t>Bitshifting</a:t>
+            </a:r>
+            <a:endParaRPr lang="en-US" dirty="0"/>
+          </a:p>
+          <a:p>
+            <a:pPr marL="1257300" lvl="2" indent="-342900">
+              <a:buFont typeface="Arial" panose="020B0604020202020204" pitchFamily="34" charset="0"/>
+              <a:buChar char="•"/>
+            </a:pPr>
+            <a:r>
               <a:rPr lang="en-US" dirty="0"/>
-              <a:t> modulo and division</a:t>
+              <a:t>modulo and division</a:t>
             </a:r>
           </a:p>
           <a:p>
@@ -4444,6 +4456,329 @@
 </file>
 
 <file path=ppt/slides/slide8.xml><?xml version="1.0" encoding="utf-8"?>
+<p:sld xmlns:a="http://schemas.openxmlformats.org/drawingml/2006/main" xmlns:r="http://schemas.openxmlformats.org/officeDocument/2006/relationships" xmlns:p="http://schemas.openxmlformats.org/presentationml/2006/main">
+  <p:cSld>
+    <p:spTree>
+      <p:nvGrpSpPr>
+        <p:cNvPr id="1" name=""/>
+        <p:cNvGrpSpPr/>
+        <p:nvPr/>
+      </p:nvGrpSpPr>
+      <p:grpSpPr>
+        <a:xfrm>
+          <a:off x="0" y="0"/>
+          <a:ext cx="0" cy="0"/>
+          <a:chOff x="0" y="0"/>
+          <a:chExt cx="0" cy="0"/>
+        </a:xfrm>
+      </p:grpSpPr>
+      <p:sp>
+        <p:nvSpPr>
+          <p:cNvPr id="7" name="TextBox 6">
+            <a:extLst>
+              <a:ext uri="{FF2B5EF4-FFF2-40B4-BE49-F238E27FC236}">
+                <a16:creationId xmlns:a16="http://schemas.microsoft.com/office/drawing/2014/main" id="{139B4952-259B-4682-8601-F3D717BE7714}"/>
+              </a:ext>
+            </a:extLst>
+          </p:cNvPr>
+          <p:cNvSpPr txBox="1"/>
+          <p:nvPr/>
+        </p:nvSpPr>
+        <p:spPr>
+          <a:xfrm>
+            <a:off x="800100" y="633442"/>
+            <a:ext cx="4229100" cy="6001643"/>
+          </a:xfrm>
+          <a:prstGeom prst="rect">
+            <a:avLst/>
+          </a:prstGeom>
+          <a:noFill/>
+        </p:spPr>
+        <p:txBody>
+          <a:bodyPr wrap="square" rtlCol="0">
+            <a:spAutoFit/>
+          </a:bodyPr>
+          <a:lstStyle/>
+          <a:p>
+            <a:r>
+              <a:rPr lang="en-US" dirty="0" err="1"/>
+              <a:t>Bitshifting</a:t>
+            </a:r>
+            <a:r>
+              <a:rPr lang="en-US" dirty="0"/>
+              <a:t>:</a:t>
+            </a:r>
+          </a:p>
+          <a:p>
+            <a:endParaRPr lang="en-US" dirty="0"/>
+          </a:p>
+          <a:p>
+            <a:r>
+              <a:rPr lang="en-US" dirty="0"/>
+              <a:t>Integer is 9: represented as:</a:t>
+            </a:r>
+          </a:p>
+          <a:p>
+            <a:r>
+              <a:rPr lang="en-US" dirty="0"/>
+              <a:t>0000 0000 0000 1001</a:t>
+            </a:r>
+          </a:p>
+          <a:p>
+            <a:endParaRPr lang="en-US" dirty="0"/>
+          </a:p>
+          <a:p>
+            <a:r>
+              <a:rPr lang="en-US" dirty="0"/>
+              <a:t>(9 &gt;&gt; 3) returns:</a:t>
+            </a:r>
+          </a:p>
+          <a:p>
+            <a:endParaRPr lang="en-US" dirty="0"/>
+          </a:p>
+          <a:p>
+            <a:r>
+              <a:rPr lang="en-US" dirty="0"/>
+              <a:t>0000 0000 0000 1</a:t>
+            </a:r>
+          </a:p>
+          <a:p>
+            <a:endParaRPr lang="en-US" dirty="0"/>
+          </a:p>
+          <a:p>
+            <a:r>
+              <a:rPr lang="en-US" dirty="0"/>
+              <a:t>(9 &gt;&gt; 2) returns:</a:t>
+            </a:r>
+          </a:p>
+          <a:p>
+            <a:endParaRPr lang="en-US" dirty="0"/>
+          </a:p>
+          <a:p>
+            <a:r>
+              <a:rPr lang="en-US" dirty="0"/>
+              <a:t>0000 0000 0000 10</a:t>
+            </a:r>
+          </a:p>
+          <a:p>
+            <a:endParaRPr lang="en-US" dirty="0"/>
+          </a:p>
+          <a:p>
+            <a:r>
+              <a:rPr lang="en-US" dirty="0"/>
+              <a:t>(9 &gt;&gt; 1) returns:</a:t>
+            </a:r>
+          </a:p>
+          <a:p>
+            <a:endParaRPr lang="en-US" dirty="0"/>
+          </a:p>
+          <a:p>
+            <a:r>
+              <a:rPr lang="en-US" dirty="0"/>
+              <a:t>0000 0000 0000 100</a:t>
+            </a:r>
+          </a:p>
+        </p:txBody>
+      </p:sp>
+      <p:cxnSp>
+        <p:nvCxnSpPr>
+          <p:cNvPr id="9" name="Straight Arrow Connector 8">
+            <a:extLst>
+              <a:ext uri="{FF2B5EF4-FFF2-40B4-BE49-F238E27FC236}">
+                <a16:creationId xmlns:a16="http://schemas.microsoft.com/office/drawing/2014/main" id="{0666B8E4-8B54-4B62-8678-0DCC60BC340E}"/>
+              </a:ext>
+            </a:extLst>
+          </p:cNvPr>
+          <p:cNvCxnSpPr>
+            <a:cxnSpLocks/>
+          </p:cNvCxnSpPr>
+          <p:nvPr/>
+        </p:nvCxnSpPr>
+        <p:spPr bwMode="auto">
+          <a:xfrm flipV="1">
+            <a:off x="3276600" y="2133600"/>
+            <a:ext cx="0" cy="1066800"/>
+          </a:xfrm>
+          <a:prstGeom prst="straightConnector1">
+            <a:avLst/>
+          </a:prstGeom>
+          <a:solidFill>
+            <a:schemeClr val="accent1"/>
+          </a:solidFill>
+          <a:ln w="9525" cap="flat" cmpd="sng" algn="ctr">
+            <a:solidFill>
+              <a:schemeClr val="tx1"/>
+            </a:solidFill>
+            <a:prstDash val="solid"/>
+            <a:round/>
+            <a:headEnd type="none" w="med" len="med"/>
+            <a:tailEnd type="triangle"/>
+          </a:ln>
+          <a:effectLst/>
+        </p:spPr>
+      </p:cxnSp>
+      <p:cxnSp>
+        <p:nvCxnSpPr>
+          <p:cNvPr id="10" name="Straight Arrow Connector 9">
+            <a:extLst>
+              <a:ext uri="{FF2B5EF4-FFF2-40B4-BE49-F238E27FC236}">
+                <a16:creationId xmlns:a16="http://schemas.microsoft.com/office/drawing/2014/main" id="{E0950968-98B7-469C-BC0E-75A247F66D13}"/>
+              </a:ext>
+            </a:extLst>
+          </p:cNvPr>
+          <p:cNvCxnSpPr>
+            <a:cxnSpLocks/>
+          </p:cNvCxnSpPr>
+          <p:nvPr/>
+        </p:nvCxnSpPr>
+        <p:spPr bwMode="auto">
+          <a:xfrm flipV="1">
+            <a:off x="3450336" y="2133600"/>
+            <a:ext cx="0" cy="2514600"/>
+          </a:xfrm>
+          <a:prstGeom prst="straightConnector1">
+            <a:avLst/>
+          </a:prstGeom>
+          <a:solidFill>
+            <a:schemeClr val="accent1"/>
+          </a:solidFill>
+          <a:ln w="9525" cap="flat" cmpd="sng" algn="ctr">
+            <a:solidFill>
+              <a:schemeClr val="tx1"/>
+            </a:solidFill>
+            <a:prstDash val="solid"/>
+            <a:round/>
+            <a:headEnd type="none" w="med" len="med"/>
+            <a:tailEnd type="triangle"/>
+          </a:ln>
+          <a:effectLst/>
+        </p:spPr>
+      </p:cxnSp>
+      <p:cxnSp>
+        <p:nvCxnSpPr>
+          <p:cNvPr id="17" name="Straight Arrow Connector 16">
+            <a:extLst>
+              <a:ext uri="{FF2B5EF4-FFF2-40B4-BE49-F238E27FC236}">
+                <a16:creationId xmlns:a16="http://schemas.microsoft.com/office/drawing/2014/main" id="{4204A0C5-C941-4A28-8DFB-9C2048D12E61}"/>
+              </a:ext>
+            </a:extLst>
+          </p:cNvPr>
+          <p:cNvCxnSpPr>
+            <a:cxnSpLocks/>
+          </p:cNvCxnSpPr>
+          <p:nvPr/>
+        </p:nvCxnSpPr>
+        <p:spPr bwMode="auto">
+          <a:xfrm flipV="1">
+            <a:off x="3624072" y="2133600"/>
+            <a:ext cx="0" cy="4014758"/>
+          </a:xfrm>
+          <a:prstGeom prst="straightConnector1">
+            <a:avLst/>
+          </a:prstGeom>
+          <a:solidFill>
+            <a:schemeClr val="accent1"/>
+          </a:solidFill>
+          <a:ln w="9525" cap="flat" cmpd="sng" algn="ctr">
+            <a:solidFill>
+              <a:schemeClr val="tx1"/>
+            </a:solidFill>
+            <a:prstDash val="solid"/>
+            <a:round/>
+            <a:headEnd type="none" w="med" len="med"/>
+            <a:tailEnd type="triangle"/>
+          </a:ln>
+          <a:effectLst/>
+        </p:spPr>
+      </p:cxnSp>
+      <p:sp>
+        <p:nvSpPr>
+          <p:cNvPr id="24" name="TextBox 23">
+            <a:extLst>
+              <a:ext uri="{FF2B5EF4-FFF2-40B4-BE49-F238E27FC236}">
+                <a16:creationId xmlns:a16="http://schemas.microsoft.com/office/drawing/2014/main" id="{9E190BAC-0ECE-44B0-81B4-2209224F4AAB}"/>
+              </a:ext>
+            </a:extLst>
+          </p:cNvPr>
+          <p:cNvSpPr txBox="1"/>
+          <p:nvPr/>
+        </p:nvSpPr>
+        <p:spPr>
+          <a:xfrm>
+            <a:off x="4953000" y="838200"/>
+            <a:ext cx="3390900" cy="3416320"/>
+          </a:xfrm>
+          <a:prstGeom prst="rect">
+            <a:avLst/>
+          </a:prstGeom>
+          <a:noFill/>
+        </p:spPr>
+        <p:txBody>
+          <a:bodyPr wrap="square" rtlCol="0">
+            <a:spAutoFit/>
+          </a:bodyPr>
+          <a:lstStyle/>
+          <a:p>
+            <a:r>
+              <a:rPr lang="en-US" dirty="0"/>
+              <a:t>Extract right-most bit:</a:t>
+            </a:r>
+          </a:p>
+          <a:p>
+            <a:endParaRPr lang="en-US" dirty="0"/>
+          </a:p>
+          <a:p>
+            <a:r>
+              <a:rPr lang="en-US" dirty="0"/>
+              <a:t>Modulo:</a:t>
+            </a:r>
+          </a:p>
+          <a:p>
+            <a:r>
+              <a:rPr lang="en-US" dirty="0"/>
+              <a:t>(int x)%2 </a:t>
+            </a:r>
+          </a:p>
+          <a:p>
+            <a:endParaRPr lang="en-US" dirty="0"/>
+          </a:p>
+          <a:p>
+            <a:r>
+              <a:rPr lang="en-US" dirty="0"/>
+              <a:t>OR</a:t>
+            </a:r>
+          </a:p>
+          <a:p>
+            <a:endParaRPr lang="en-US" dirty="0"/>
+          </a:p>
+          <a:p>
+            <a:r>
+              <a:rPr lang="en-US" dirty="0"/>
+              <a:t>Binary Operator:</a:t>
+            </a:r>
+          </a:p>
+          <a:p>
+            <a:r>
+              <a:rPr lang="en-US" dirty="0"/>
+              <a:t>(int x) &amp; 1</a:t>
+            </a:r>
+          </a:p>
+        </p:txBody>
+      </p:sp>
+    </p:spTree>
+    <p:extLst>
+      <p:ext uri="{BB962C8B-B14F-4D97-AF65-F5344CB8AC3E}">
+        <p14:creationId xmlns:p14="http://schemas.microsoft.com/office/powerpoint/2010/main" val="3397211645"/>
+      </p:ext>
+    </p:extLst>
+  </p:cSld>
+  <p:clrMapOvr>
+    <a:masterClrMapping/>
+  </p:clrMapOvr>
+</p:sld>
+</file>
+
+<file path=ppt/slides/slide9.xml><?xml version="1.0" encoding="utf-8"?>
 <p:sld xmlns:a="http://schemas.openxmlformats.org/drawingml/2006/main" xmlns:r="http://schemas.openxmlformats.org/officeDocument/2006/relationships" xmlns:p="http://schemas.openxmlformats.org/presentationml/2006/main">
   <p:cSld>
     <p:spTree>
@@ -6295,12 +6630,6 @@
 </file>
 
 <file path=customXml/item2.xml><?xml version="1.0" encoding="utf-8"?>
-<p:properties xmlns:p="http://schemas.microsoft.com/office/2006/metadata/properties" xmlns:xsi="http://www.w3.org/2001/XMLSchema-instance" xmlns:pc="http://schemas.microsoft.com/office/infopath/2007/PartnerControls">
-  <documentManagement/>
-</p:properties>
-</file>
-
-<file path=customXml/item3.xml><?xml version="1.0" encoding="utf-8"?>
 <ct:contentTypeSchema xmlns:ct="http://schemas.microsoft.com/office/2006/metadata/contentType" xmlns:ma="http://schemas.microsoft.com/office/2006/metadata/properties/metaAttributes" ct:_="" ma:_="" ma:contentTypeName="Document" ma:contentTypeID="0x010100645EFA3785FC50438A5CE0467113ADF5" ma:contentTypeVersion="7" ma:contentTypeDescription="Create a new document." ma:contentTypeScope="" ma:versionID="97f15155bfd4bb26f26fdc1c44192bde">
   <xsd:schema xmlns:xsd="http://www.w3.org/2001/XMLSchema" xmlns:xs="http://www.w3.org/2001/XMLSchema" xmlns:p="http://schemas.microsoft.com/office/2006/metadata/properties" xmlns:ns3="28333d97-f83f-43f0-8e2a-d0a9ba9678ac" xmlns:ns4="6c122e25-6aea-44cb-9533-f337dbfc1912" targetNamespace="http://schemas.microsoft.com/office/2006/metadata/properties" ma:root="true" ma:fieldsID="591006e886580681df9597994adb332c" ns3:_="" ns4:_="">
     <xsd:import namespace="28333d97-f83f-43f0-8e2a-d0a9ba9678ac"/>
@@ -6485,6 +6814,12 @@
 </ct:contentTypeSchema>
 </file>
 
+<file path=customXml/item3.xml><?xml version="1.0" encoding="utf-8"?>
+<p:properties xmlns:p="http://schemas.microsoft.com/office/2006/metadata/properties" xmlns:xsi="http://www.w3.org/2001/XMLSchema-instance" xmlns:pc="http://schemas.microsoft.com/office/infopath/2007/PartnerControls">
+  <documentManagement/>
+</p:properties>
+</file>
+
 <file path=customXml/itemProps1.xml><?xml version="1.0" encoding="utf-8"?>
 <ds:datastoreItem xmlns:ds="http://schemas.openxmlformats.org/officeDocument/2006/customXml" ds:itemID="{AAFFEE70-E910-4532-89C4-DAC7332237F5}">
   <ds:schemaRefs>
@@ -6494,23 +6829,6 @@
 </file>
 
 <file path=customXml/itemProps2.xml><?xml version="1.0" encoding="utf-8"?>
-<ds:datastoreItem xmlns:ds="http://schemas.openxmlformats.org/officeDocument/2006/customXml" ds:itemID="{4366F0BB-C999-453A-8BA4-372026786EEE}">
-  <ds:schemaRefs>
-    <ds:schemaRef ds:uri="http://schemas.microsoft.com/office/2006/documentManagement/types"/>
-    <ds:schemaRef ds:uri="6c122e25-6aea-44cb-9533-f337dbfc1912"/>
-    <ds:schemaRef ds:uri="http://purl.org/dc/dcmitype/"/>
-    <ds:schemaRef ds:uri="http://schemas.microsoft.com/office/2006/metadata/properties"/>
-    <ds:schemaRef ds:uri="http://purl.org/dc/elements/1.1/"/>
-    <ds:schemaRef ds:uri="http://purl.org/dc/terms/"/>
-    <ds:schemaRef ds:uri="http://www.w3.org/XML/1998/namespace"/>
-    <ds:schemaRef ds:uri="28333d97-f83f-43f0-8e2a-d0a9ba9678ac"/>
-    <ds:schemaRef ds:uri="http://schemas.microsoft.com/office/infopath/2007/PartnerControls"/>
-    <ds:schemaRef ds:uri="http://schemas.openxmlformats.org/package/2006/metadata/core-properties"/>
-  </ds:schemaRefs>
-</ds:datastoreItem>
-</file>
-
-<file path=customXml/itemProps3.xml><?xml version="1.0" encoding="utf-8"?>
 <ds:datastoreItem xmlns:ds="http://schemas.openxmlformats.org/officeDocument/2006/customXml" ds:itemID="{3F9F1F20-FCFC-4714-968B-E9529F7DB9FA}">
   <ds:schemaRefs>
     <ds:schemaRef ds:uri="http://schemas.microsoft.com/office/2006/metadata/contentType"/>
@@ -6527,4 +6845,21 @@
     <ds:schemaRef ds:uri="http://schemas.microsoft.com/internal/obd"/>
   </ds:schemaRefs>
 </ds:datastoreItem>
+</file>
+
+<file path=customXml/itemProps3.xml><?xml version="1.0" encoding="utf-8"?>
+<ds:datastoreItem xmlns:ds="http://schemas.openxmlformats.org/officeDocument/2006/customXml" ds:itemID="{4366F0BB-C999-453A-8BA4-372026786EEE}">
+  <ds:schemaRefs>
+    <ds:schemaRef ds:uri="http://www.w3.org/XML/1998/namespace"/>
+    <ds:schemaRef ds:uri="http://purl.org/dc/terms/"/>
+    <ds:schemaRef ds:uri="http://schemas.microsoft.com/office/2006/metadata/properties"/>
+    <ds:schemaRef ds:uri="http://purl.org/dc/elements/1.1/"/>
+    <ds:schemaRef ds:uri="http://schemas.openxmlformats.org/package/2006/metadata/core-properties"/>
+    <ds:schemaRef ds:uri="http://schemas.microsoft.com/office/infopath/2007/PartnerControls"/>
+    <ds:schemaRef ds:uri="http://schemas.microsoft.com/office/2006/documentManagement/types"/>
+    <ds:schemaRef ds:uri="6c122e25-6aea-44cb-9533-f337dbfc1912"/>
+    <ds:schemaRef ds:uri="28333d97-f83f-43f0-8e2a-d0a9ba9678ac"/>
+    <ds:schemaRef ds:uri="http://purl.org/dc/dcmitype/"/>
+  </ds:schemaRefs>
+</ds:datastoreItem>
 </file>